--- a/Documents/Presentations/Mock Presentation.pptx
+++ b/Documents/Presentations/Mock Presentation.pptx
@@ -12,8 +12,11 @@
     <p:sldId id="261" r:id="rId6"/>
     <p:sldId id="264" r:id="rId7"/>
     <p:sldId id="262" r:id="rId8"/>
-    <p:sldId id="266" r:id="rId9"/>
-    <p:sldId id="263" r:id="rId10"/>
+    <p:sldId id="267" r:id="rId9"/>
+    <p:sldId id="268" r:id="rId10"/>
+    <p:sldId id="269" r:id="rId11"/>
+    <p:sldId id="266" r:id="rId12"/>
+    <p:sldId id="263" r:id="rId13"/>
   </p:sldIdLst>
   <p:sldSz cx="9144000" cy="6858000" type="screen4x3"/>
   <p:notesSz cx="6858000" cy="9144000"/>
@@ -874,6 +877,13 @@
   <p:clrMapOvr>
     <a:masterClrMapping/>
   </p:clrMapOvr>
+  <p:timing>
+    <p:tnLst>
+      <p:par>
+        <p:cTn id="1" dur="indefinite" restart="never" nodeType="tmRoot"/>
+      </p:par>
+    </p:tnLst>
+  </p:timing>
 </p:sldLayout>
 </file>
 
@@ -2580,9 +2590,18 @@
 <p:sldMaster xmlns:a="http://schemas.openxmlformats.org/drawingml/2006/main" xmlns:r="http://schemas.openxmlformats.org/officeDocument/2006/relationships" xmlns:p="http://schemas.openxmlformats.org/presentationml/2006/main">
   <p:cSld>
     <p:bg>
-      <p:bgRef idx="1001">
-        <a:schemeClr val="bg1"/>
-      </p:bgRef>
+      <p:bgPr>
+        <a:blipFill dpi="0" rotWithShape="1">
+          <a:blip r:embed="rId13">
+            <a:lum/>
+          </a:blip>
+          <a:srcRect/>
+          <a:stretch>
+            <a:fillRect/>
+          </a:stretch>
+        </a:blipFill>
+        <a:effectLst/>
+      </p:bgPr>
     </p:bg>
     <p:spTree>
       <p:nvGrpSpPr>
@@ -2833,6 +2852,13 @@
     <p:sldLayoutId id="2147483658" r:id="rId10"/>
     <p:sldLayoutId id="2147483659" r:id="rId11"/>
   </p:sldLayoutIdLst>
+  <p:timing>
+    <p:tnLst>
+      <p:par>
+        <p:cTn id="1" dur="indefinite" restart="never" nodeType="tmRoot"/>
+      </p:par>
+    </p:tnLst>
+  </p:timing>
   <p:txStyles>
     <p:titleStyle>
       <a:lvl1pPr algn="ctr" defTabSz="914400" rtl="0" eaLnBrk="1" latinLnBrk="0" hangingPunct="1">
@@ -3142,10 +3168,18 @@
           <a:lstStyle/>
           <a:p>
             <a:r>
-              <a:rPr lang="en-AU" dirty="0" smtClean="0"/>
+              <a:rPr lang="en-AU" dirty="0" smtClean="0">
+                <a:solidFill>
+                  <a:schemeClr val="tx1"/>
+                </a:solidFill>
+              </a:rPr>
               <a:t>By Tempest</a:t>
             </a:r>
-            <a:endParaRPr lang="en-AU" dirty="0"/>
+            <a:endParaRPr lang="en-AU" dirty="0">
+              <a:solidFill>
+                <a:schemeClr val="tx1"/>
+              </a:solidFill>
+            </a:endParaRPr>
           </a:p>
         </p:txBody>
       </p:sp>
@@ -3159,6 +3193,389 @@
   <p:clrMapOvr>
     <a:masterClrMapping/>
   </p:clrMapOvr>
+  <p:timing>
+    <p:tnLst>
+      <p:par>
+        <p:cTn id="1" dur="indefinite" restart="never" nodeType="tmRoot"/>
+      </p:par>
+    </p:tnLst>
+  </p:timing>
+</p:sld>
+</file>
+
+<file path=ppt/slides/slide10.xml><?xml version="1.0" encoding="utf-8"?>
+<p:sld xmlns:a="http://schemas.openxmlformats.org/drawingml/2006/main" xmlns:r="http://schemas.openxmlformats.org/officeDocument/2006/relationships" xmlns:p="http://schemas.openxmlformats.org/presentationml/2006/main">
+  <p:cSld>
+    <p:spTree>
+      <p:nvGrpSpPr>
+        <p:cNvPr id="1" name=""/>
+        <p:cNvGrpSpPr/>
+        <p:nvPr/>
+      </p:nvGrpSpPr>
+      <p:grpSpPr>
+        <a:xfrm>
+          <a:off x="0" y="0"/>
+          <a:ext cx="0" cy="0"/>
+          <a:chOff x="0" y="0"/>
+          <a:chExt cx="0" cy="0"/>
+        </a:xfrm>
+      </p:grpSpPr>
+      <p:pic>
+        <p:nvPicPr>
+          <p:cNvPr id="6" name="Picture 5"/>
+          <p:cNvPicPr>
+            <a:picLocks noChangeAspect="1"/>
+          </p:cNvPicPr>
+          <p:nvPr/>
+        </p:nvPicPr>
+        <p:blipFill>
+          <a:blip r:embed="rId2">
+            <a:extLst>
+              <a:ext uri="{28A0092B-C50C-407E-A947-70E740481C1C}">
+                <a14:useLocalDpi xmlns:a14="http://schemas.microsoft.com/office/drawing/2010/main" val="0"/>
+              </a:ext>
+            </a:extLst>
+          </a:blip>
+          <a:stretch>
+            <a:fillRect/>
+          </a:stretch>
+        </p:blipFill>
+        <p:spPr>
+          <a:xfrm>
+            <a:off x="4554754" y="0"/>
+            <a:ext cx="4586936" cy="3426763"/>
+          </a:xfrm>
+          <a:prstGeom prst="rect">
+            <a:avLst/>
+          </a:prstGeom>
+        </p:spPr>
+      </p:pic>
+      <p:pic>
+        <p:nvPicPr>
+          <p:cNvPr id="5" name="Content Placeholder 4"/>
+          <p:cNvPicPr>
+            <a:picLocks noGrp="1" noChangeAspect="1"/>
+          </p:cNvPicPr>
+          <p:nvPr>
+            <p:ph idx="1"/>
+          </p:nvPr>
+        </p:nvPicPr>
+        <p:blipFill>
+          <a:blip r:embed="rId3">
+            <a:extLst>
+              <a:ext uri="{28A0092B-C50C-407E-A947-70E740481C1C}">
+                <a14:useLocalDpi xmlns:a14="http://schemas.microsoft.com/office/drawing/2010/main" val="0"/>
+              </a:ext>
+            </a:extLst>
+          </a:blip>
+          <a:stretch>
+            <a:fillRect/>
+          </a:stretch>
+        </p:blipFill>
+        <p:spPr>
+          <a:xfrm>
+            <a:off x="-1" y="3426763"/>
+            <a:ext cx="4572857" cy="3447577"/>
+          </a:xfrm>
+        </p:spPr>
+      </p:pic>
+      <p:pic>
+        <p:nvPicPr>
+          <p:cNvPr id="7" name="Picture 6"/>
+          <p:cNvPicPr>
+            <a:picLocks noChangeAspect="1"/>
+          </p:cNvPicPr>
+          <p:nvPr/>
+        </p:nvPicPr>
+        <p:blipFill>
+          <a:blip r:embed="rId4">
+            <a:extLst>
+              <a:ext uri="{28A0092B-C50C-407E-A947-70E740481C1C}">
+                <a14:useLocalDpi xmlns:a14="http://schemas.microsoft.com/office/drawing/2010/main" val="0"/>
+              </a:ext>
+            </a:extLst>
+          </a:blip>
+          <a:stretch>
+            <a:fillRect/>
+          </a:stretch>
+        </p:blipFill>
+        <p:spPr>
+          <a:xfrm>
+            <a:off x="4557064" y="3420042"/>
+            <a:ext cx="4586936" cy="3437958"/>
+          </a:xfrm>
+          <a:prstGeom prst="rect">
+            <a:avLst/>
+          </a:prstGeom>
+        </p:spPr>
+      </p:pic>
+      <p:pic>
+        <p:nvPicPr>
+          <p:cNvPr id="8" name="Picture 7"/>
+          <p:cNvPicPr>
+            <a:picLocks noChangeAspect="1"/>
+          </p:cNvPicPr>
+          <p:nvPr/>
+        </p:nvPicPr>
+        <p:blipFill>
+          <a:blip r:embed="rId5">
+            <a:extLst>
+              <a:ext uri="{28A0092B-C50C-407E-A947-70E740481C1C}">
+                <a14:useLocalDpi xmlns:a14="http://schemas.microsoft.com/office/drawing/2010/main" val="0"/>
+              </a:ext>
+            </a:extLst>
+          </a:blip>
+          <a:stretch>
+            <a:fillRect/>
+          </a:stretch>
+        </p:blipFill>
+        <p:spPr>
+          <a:xfrm>
+            <a:off x="0" y="1"/>
+            <a:ext cx="4560055" cy="3420042"/>
+          </a:xfrm>
+          <a:prstGeom prst="rect">
+            <a:avLst/>
+          </a:prstGeom>
+        </p:spPr>
+      </p:pic>
+      <p:sp>
+        <p:nvSpPr>
+          <p:cNvPr id="2" name="Title 1"/>
+          <p:cNvSpPr>
+            <a:spLocks noGrp="1"/>
+          </p:cNvSpPr>
+          <p:nvPr>
+            <p:ph type="title"/>
+          </p:nvPr>
+        </p:nvSpPr>
+        <p:spPr>
+          <a:xfrm>
+            <a:off x="439954" y="2780928"/>
+            <a:ext cx="8229600" cy="1143000"/>
+          </a:xfrm>
+        </p:spPr>
+        <p:txBody>
+          <a:bodyPr/>
+          <a:lstStyle/>
+          <a:p>
+            <a:r>
+              <a:rPr lang="en-AU" b="1" dirty="0" smtClean="0">
+                <a:solidFill>
+                  <a:schemeClr val="accent6">
+                    <a:lumMod val="75000"/>
+                  </a:schemeClr>
+                </a:solidFill>
+                <a:effectLst>
+                  <a:outerShdw blurRad="38100" dist="38100" dir="2700000" algn="tl">
+                    <a:srgbClr val="000000">
+                      <a:alpha val="43137"/>
+                    </a:srgbClr>
+                  </a:outerShdw>
+                </a:effectLst>
+              </a:rPr>
+              <a:t>Leap Motion</a:t>
+            </a:r>
+            <a:endParaRPr lang="en-AU" b="1" dirty="0">
+              <a:solidFill>
+                <a:schemeClr val="accent6">
+                  <a:lumMod val="75000"/>
+                </a:schemeClr>
+              </a:solidFill>
+              <a:effectLst>
+                <a:outerShdw blurRad="38100" dist="38100" dir="2700000" algn="tl">
+                  <a:srgbClr val="000000">
+                    <a:alpha val="43137"/>
+                  </a:srgbClr>
+                </a:outerShdw>
+              </a:effectLst>
+            </a:endParaRPr>
+          </a:p>
+        </p:txBody>
+      </p:sp>
+    </p:spTree>
+    <p:extLst>
+      <p:ext uri="{BB962C8B-B14F-4D97-AF65-F5344CB8AC3E}">
+        <p14:creationId xmlns:p14="http://schemas.microsoft.com/office/powerpoint/2010/main" val="2549730259"/>
+      </p:ext>
+    </p:extLst>
+  </p:cSld>
+  <p:clrMapOvr>
+    <a:masterClrMapping/>
+  </p:clrMapOvr>
+  <p:timing>
+    <p:tnLst>
+      <p:par>
+        <p:cTn id="1" dur="indefinite" restart="never" nodeType="tmRoot"/>
+      </p:par>
+    </p:tnLst>
+  </p:timing>
+</p:sld>
+</file>
+
+<file path=ppt/slides/slide11.xml><?xml version="1.0" encoding="utf-8"?>
+<p:sld xmlns:a="http://schemas.openxmlformats.org/drawingml/2006/main" xmlns:r="http://schemas.openxmlformats.org/officeDocument/2006/relationships" xmlns:p="http://schemas.openxmlformats.org/presentationml/2006/main">
+  <p:cSld>
+    <p:spTree>
+      <p:nvGrpSpPr>
+        <p:cNvPr id="1" name=""/>
+        <p:cNvGrpSpPr/>
+        <p:nvPr/>
+      </p:nvGrpSpPr>
+      <p:grpSpPr>
+        <a:xfrm>
+          <a:off x="0" y="0"/>
+          <a:ext cx="0" cy="0"/>
+          <a:chOff x="0" y="0"/>
+          <a:chExt cx="0" cy="0"/>
+        </a:xfrm>
+      </p:grpSpPr>
+      <p:sp>
+        <p:nvSpPr>
+          <p:cNvPr id="2" name="Title 1"/>
+          <p:cNvSpPr>
+            <a:spLocks noGrp="1"/>
+          </p:cNvSpPr>
+          <p:nvPr>
+            <p:ph type="title"/>
+          </p:nvPr>
+        </p:nvSpPr>
+        <p:spPr/>
+        <p:txBody>
+          <a:bodyPr/>
+          <a:lstStyle/>
+          <a:p>
+            <a:r>
+              <a:rPr lang="en-AU" dirty="0" err="1" smtClean="0"/>
+              <a:t>Ary</a:t>
+            </a:r>
+            <a:r>
+              <a:rPr lang="en-AU" dirty="0" smtClean="0"/>
+              <a:t> </a:t>
+            </a:r>
+            <a:r>
+              <a:rPr lang="en-AU" dirty="0" err="1" smtClean="0"/>
+              <a:t>Twerking</a:t>
+            </a:r>
+            <a:endParaRPr lang="en-AU" dirty="0"/>
+          </a:p>
+        </p:txBody>
+      </p:sp>
+      <p:sp>
+        <p:nvSpPr>
+          <p:cNvPr id="3" name="Content Placeholder 2"/>
+          <p:cNvSpPr>
+            <a:spLocks noGrp="1"/>
+          </p:cNvSpPr>
+          <p:nvPr>
+            <p:ph idx="1"/>
+          </p:nvPr>
+        </p:nvSpPr>
+        <p:spPr/>
+        <p:txBody>
+          <a:bodyPr/>
+          <a:lstStyle/>
+          <a:p>
+            <a:endParaRPr lang="en-AU"/>
+          </a:p>
+        </p:txBody>
+      </p:sp>
+    </p:spTree>
+    <p:extLst>
+      <p:ext uri="{BB962C8B-B14F-4D97-AF65-F5344CB8AC3E}">
+        <p14:creationId xmlns:p14="http://schemas.microsoft.com/office/powerpoint/2010/main" val="4133536331"/>
+      </p:ext>
+    </p:extLst>
+  </p:cSld>
+  <p:clrMapOvr>
+    <a:masterClrMapping/>
+  </p:clrMapOvr>
+  <p:timing>
+    <p:tnLst>
+      <p:par>
+        <p:cTn id="1" dur="indefinite" restart="never" nodeType="tmRoot"/>
+      </p:par>
+    </p:tnLst>
+  </p:timing>
+</p:sld>
+</file>
+
+<file path=ppt/slides/slide12.xml><?xml version="1.0" encoding="utf-8"?>
+<p:sld xmlns:a="http://schemas.openxmlformats.org/drawingml/2006/main" xmlns:r="http://schemas.openxmlformats.org/officeDocument/2006/relationships" xmlns:p="http://schemas.openxmlformats.org/presentationml/2006/main">
+  <p:cSld>
+    <p:spTree>
+      <p:nvGrpSpPr>
+        <p:cNvPr id="1" name=""/>
+        <p:cNvGrpSpPr/>
+        <p:nvPr/>
+      </p:nvGrpSpPr>
+      <p:grpSpPr>
+        <a:xfrm>
+          <a:off x="0" y="0"/>
+          <a:ext cx="0" cy="0"/>
+          <a:chOff x="0" y="0"/>
+          <a:chExt cx="0" cy="0"/>
+        </a:xfrm>
+      </p:grpSpPr>
+      <p:sp>
+        <p:nvSpPr>
+          <p:cNvPr id="2" name="Title 1"/>
+          <p:cNvSpPr>
+            <a:spLocks noGrp="1"/>
+          </p:cNvSpPr>
+          <p:nvPr>
+            <p:ph type="title"/>
+          </p:nvPr>
+        </p:nvSpPr>
+        <p:spPr/>
+        <p:txBody>
+          <a:bodyPr/>
+          <a:lstStyle/>
+          <a:p>
+            <a:r>
+              <a:rPr lang="en-AU" dirty="0" smtClean="0"/>
+              <a:t>Conclusion</a:t>
+            </a:r>
+            <a:endParaRPr lang="en-AU" dirty="0"/>
+          </a:p>
+        </p:txBody>
+      </p:sp>
+      <p:sp>
+        <p:nvSpPr>
+          <p:cNvPr id="3" name="Content Placeholder 2"/>
+          <p:cNvSpPr>
+            <a:spLocks noGrp="1"/>
+          </p:cNvSpPr>
+          <p:nvPr>
+            <p:ph idx="1"/>
+          </p:nvPr>
+        </p:nvSpPr>
+        <p:spPr/>
+        <p:txBody>
+          <a:bodyPr/>
+          <a:lstStyle/>
+          <a:p>
+            <a:endParaRPr lang="en-AU"/>
+          </a:p>
+        </p:txBody>
+      </p:sp>
+    </p:spTree>
+    <p:extLst>
+      <p:ext uri="{BB962C8B-B14F-4D97-AF65-F5344CB8AC3E}">
+        <p14:creationId xmlns:p14="http://schemas.microsoft.com/office/powerpoint/2010/main" val="3956578928"/>
+      </p:ext>
+    </p:extLst>
+  </p:cSld>
+  <p:clrMapOvr>
+    <a:masterClrMapping/>
+  </p:clrMapOvr>
+  <p:timing>
+    <p:tnLst>
+      <p:par>
+        <p:cTn id="1" dur="indefinite" restart="never" nodeType="tmRoot"/>
+      </p:par>
+    </p:tnLst>
+  </p:timing>
 </p:sld>
 </file>
 
@@ -3368,6 +3785,13 @@
   <p:clrMapOvr>
     <a:masterClrMapping/>
   </p:clrMapOvr>
+  <p:timing>
+    <p:tnLst>
+      <p:par>
+        <p:cTn id="1" dur="indefinite" restart="never" nodeType="tmRoot"/>
+      </p:par>
+    </p:tnLst>
+  </p:timing>
 </p:sld>
 </file>
 
@@ -3440,6 +3864,13 @@
   <p:clrMapOvr>
     <a:masterClrMapping/>
   </p:clrMapOvr>
+  <p:timing>
+    <p:tnLst>
+      <p:par>
+        <p:cTn id="1" dur="indefinite" restart="never" nodeType="tmRoot"/>
+      </p:par>
+    </p:tnLst>
+  </p:timing>
 </p:sld>
 </file>
 
@@ -3512,6 +3943,13 @@
   <p:clrMapOvr>
     <a:masterClrMapping/>
   </p:clrMapOvr>
+  <p:timing>
+    <p:tnLst>
+      <p:par>
+        <p:cTn id="1" dur="indefinite" restart="never" nodeType="tmRoot"/>
+      </p:par>
+    </p:tnLst>
+  </p:timing>
 </p:sld>
 </file>
 
@@ -3584,6 +4022,13 @@
   <p:clrMapOvr>
     <a:masterClrMapping/>
   </p:clrMapOvr>
+  <p:timing>
+    <p:tnLst>
+      <p:par>
+        <p:cTn id="1" dur="indefinite" restart="never" nodeType="tmRoot"/>
+      </p:par>
+    </p:tnLst>
+  </p:timing>
 </p:sld>
 </file>
 
@@ -3656,6 +4101,13 @@
   <p:clrMapOvr>
     <a:masterClrMapping/>
   </p:clrMapOvr>
+  <p:timing>
+    <p:tnLst>
+      <p:par>
+        <p:cTn id="1" dur="indefinite" restart="never" nodeType="tmRoot"/>
+      </p:par>
+    </p:tnLst>
+  </p:timing>
 </p:sld>
 </file>
 
@@ -3695,7 +4147,7 @@
           <a:p>
             <a:r>
               <a:rPr lang="en-AU" dirty="0" smtClean="0"/>
-              <a:t>Demonstrations</a:t>
+              <a:t>World</a:t>
             </a:r>
             <a:endParaRPr lang="en-AU" dirty="0"/>
           </a:p>
@@ -3716,23 +4168,6 @@
           <a:bodyPr/>
           <a:lstStyle/>
           <a:p>
-            <a:r>
-              <a:rPr lang="en-AU" dirty="0" smtClean="0"/>
-              <a:t>Razer Hydra</a:t>
-            </a:r>
-          </a:p>
-          <a:p>
-            <a:r>
-              <a:rPr lang="en-AU" dirty="0" err="1" smtClean="0"/>
-              <a:t>Kinect</a:t>
-            </a:r>
-            <a:endParaRPr lang="en-AU" dirty="0" smtClean="0"/>
-          </a:p>
-          <a:p>
-            <a:r>
-              <a:rPr lang="en-AU" dirty="0" smtClean="0"/>
-              <a:t>Leap Motion</a:t>
-            </a:r>
             <a:endParaRPr lang="en-AU" dirty="0"/>
           </a:p>
         </p:txBody>
@@ -3747,6 +4182,13 @@
   <p:clrMapOvr>
     <a:masterClrMapping/>
   </p:clrMapOvr>
+  <p:timing>
+    <p:tnLst>
+      <p:par>
+        <p:cTn id="1" dur="indefinite" restart="never" nodeType="tmRoot"/>
+      </p:par>
+    </p:tnLst>
+  </p:timing>
 </p:sld>
 </file>
 
@@ -3783,16 +4225,8 @@
           <a:lstStyle/>
           <a:p>
             <a:r>
-              <a:rPr lang="en-AU" dirty="0" err="1" smtClean="0"/>
-              <a:t>Ary</a:t>
-            </a:r>
-            <a:r>
               <a:rPr lang="en-AU" dirty="0" smtClean="0"/>
-              <a:t> </a:t>
-            </a:r>
-            <a:r>
-              <a:rPr lang="en-AU" dirty="0" err="1" smtClean="0"/>
-              <a:t>Twerking</a:t>
+              <a:t>Razer Hydra</a:t>
             </a:r>
             <a:endParaRPr lang="en-AU" dirty="0"/>
           </a:p>
@@ -3820,13 +4254,20 @@
     </p:spTree>
     <p:extLst>
       <p:ext uri="{BB962C8B-B14F-4D97-AF65-F5344CB8AC3E}">
-        <p14:creationId xmlns:p14="http://schemas.microsoft.com/office/powerpoint/2010/main" val="4133536331"/>
+        <p14:creationId xmlns:p14="http://schemas.microsoft.com/office/powerpoint/2010/main" val="713274586"/>
       </p:ext>
     </p:extLst>
   </p:cSld>
   <p:clrMapOvr>
     <a:masterClrMapping/>
   </p:clrMapOvr>
+  <p:timing>
+    <p:tnLst>
+      <p:par>
+        <p:cTn id="1" dur="indefinite" restart="never" nodeType="tmRoot"/>
+      </p:par>
+    </p:tnLst>
+  </p:timing>
 </p:sld>
 </file>
 
@@ -3863,8 +4304,8 @@
           <a:lstStyle/>
           <a:p>
             <a:r>
-              <a:rPr lang="en-AU" dirty="0" smtClean="0"/>
-              <a:t>Conclusion</a:t>
+              <a:rPr lang="en-AU" dirty="0" err="1" smtClean="0"/>
+              <a:t>Kinect</a:t>
             </a:r>
             <a:endParaRPr lang="en-AU" dirty="0"/>
           </a:p>
@@ -3892,13 +4333,20 @@
     </p:spTree>
     <p:extLst>
       <p:ext uri="{BB962C8B-B14F-4D97-AF65-F5344CB8AC3E}">
-        <p14:creationId xmlns:p14="http://schemas.microsoft.com/office/powerpoint/2010/main" val="3956578928"/>
+        <p14:creationId xmlns:p14="http://schemas.microsoft.com/office/powerpoint/2010/main" val="787383623"/>
       </p:ext>
     </p:extLst>
   </p:cSld>
   <p:clrMapOvr>
     <a:masterClrMapping/>
   </p:clrMapOvr>
+  <p:timing>
+    <p:tnLst>
+      <p:par>
+        <p:cTn id="1" dur="indefinite" restart="never" nodeType="tmRoot"/>
+      </p:par>
+    </p:tnLst>
+  </p:timing>
 </p:sld>
 </file>
 

--- a/Documents/Presentations/Mock Presentation.pptx
+++ b/Documents/Presentations/Mock Presentation.pptx
@@ -3145,10 +3145,10 @@
           <a:lstStyle/>
           <a:p>
             <a:r>
-              <a:rPr lang="en-AU" dirty="0" err="1" smtClean="0"/>
+              <a:rPr lang="en-AU" b="1" dirty="0" err="1" smtClean="0"/>
               <a:t>Neuromend</a:t>
             </a:r>
-            <a:endParaRPr lang="en-AU" dirty="0"/>
+            <a:endParaRPr lang="en-AU" b="1" dirty="0"/>
           </a:p>
         </p:txBody>
       </p:sp>
@@ -3446,18 +3446,18 @@
           <a:lstStyle/>
           <a:p>
             <a:r>
-              <a:rPr lang="en-AU" dirty="0" err="1" smtClean="0"/>
+              <a:rPr lang="en-AU" b="1" dirty="0" err="1" smtClean="0"/>
               <a:t>Ary</a:t>
             </a:r>
             <a:r>
-              <a:rPr lang="en-AU" dirty="0" smtClean="0"/>
+              <a:rPr lang="en-AU" b="1" dirty="0" smtClean="0"/>
               <a:t> </a:t>
             </a:r>
             <a:r>
-              <a:rPr lang="en-AU" dirty="0" err="1" smtClean="0"/>
+              <a:rPr lang="en-AU" b="1" dirty="0" err="1" smtClean="0"/>
               <a:t>Twerking</a:t>
             </a:r>
-            <a:endParaRPr lang="en-AU" dirty="0"/>
+            <a:endParaRPr lang="en-AU" b="1" dirty="0"/>
           </a:p>
         </p:txBody>
       </p:sp>
@@ -3533,10 +3533,10 @@
           <a:lstStyle/>
           <a:p>
             <a:r>
-              <a:rPr lang="en-AU" dirty="0" smtClean="0"/>
+              <a:rPr lang="en-AU" b="1" dirty="0" smtClean="0"/>
               <a:t>Conclusion</a:t>
             </a:r>
-            <a:endParaRPr lang="en-AU" dirty="0"/>
+            <a:endParaRPr lang="en-AU" b="1" dirty="0"/>
           </a:p>
         </p:txBody>
       </p:sp>
@@ -3612,10 +3612,10 @@
           <a:lstStyle/>
           <a:p>
             <a:r>
-              <a:rPr lang="en-AU" dirty="0" smtClean="0"/>
+              <a:rPr lang="en-AU" b="1" dirty="0" smtClean="0"/>
               <a:t>Introduction</a:t>
             </a:r>
-            <a:endParaRPr lang="en-AU" dirty="0"/>
+            <a:endParaRPr lang="en-AU" b="1" dirty="0"/>
           </a:p>
         </p:txBody>
       </p:sp>
@@ -3828,10 +3828,10 @@
           <a:lstStyle/>
           <a:p>
             <a:r>
-              <a:rPr lang="en-AU" dirty="0" smtClean="0"/>
+              <a:rPr lang="en-AU" b="1" dirty="0" smtClean="0"/>
               <a:t>Background</a:t>
             </a:r>
-            <a:endParaRPr lang="en-AU" dirty="0"/>
+            <a:endParaRPr lang="en-AU" b="1" dirty="0"/>
           </a:p>
         </p:txBody>
       </p:sp>
@@ -3907,10 +3907,10 @@
           <a:lstStyle/>
           <a:p>
             <a:r>
-              <a:rPr lang="en-AU" dirty="0" smtClean="0"/>
+              <a:rPr lang="en-AU" b="1" dirty="0" smtClean="0"/>
               <a:t>Problem</a:t>
             </a:r>
-            <a:endParaRPr lang="en-AU" dirty="0"/>
+            <a:endParaRPr lang="en-AU" b="1" dirty="0"/>
           </a:p>
         </p:txBody>
       </p:sp>
@@ -3986,10 +3986,10 @@
           <a:lstStyle/>
           <a:p>
             <a:r>
-              <a:rPr lang="en-AU" dirty="0" smtClean="0"/>
+              <a:rPr lang="en-AU" b="1" dirty="0" smtClean="0"/>
               <a:t>Solution</a:t>
             </a:r>
-            <a:endParaRPr lang="en-AU" dirty="0"/>
+            <a:endParaRPr lang="en-AU" b="1" dirty="0"/>
           </a:p>
         </p:txBody>
       </p:sp>
@@ -4065,10 +4065,10 @@
           <a:lstStyle/>
           <a:p>
             <a:r>
-              <a:rPr lang="en-AU" dirty="0" smtClean="0"/>
+              <a:rPr lang="en-AU" b="1" dirty="0" smtClean="0"/>
               <a:t>Challenges</a:t>
             </a:r>
-            <a:endParaRPr lang="en-AU" dirty="0"/>
+            <a:endParaRPr lang="en-AU" b="1" dirty="0"/>
           </a:p>
         </p:txBody>
       </p:sp>
@@ -4146,10 +4146,10 @@
           <a:lstStyle/>
           <a:p>
             <a:r>
-              <a:rPr lang="en-AU" dirty="0" smtClean="0"/>
+              <a:rPr lang="en-AU" b="1" dirty="0" smtClean="0"/>
               <a:t>World</a:t>
             </a:r>
-            <a:endParaRPr lang="en-AU" dirty="0"/>
+            <a:endParaRPr lang="en-AU" b="1" dirty="0"/>
           </a:p>
         </p:txBody>
       </p:sp>
@@ -4225,10 +4225,10 @@
           <a:lstStyle/>
           <a:p>
             <a:r>
-              <a:rPr lang="en-AU" dirty="0" smtClean="0"/>
+              <a:rPr lang="en-AU" b="1" dirty="0" smtClean="0"/>
               <a:t>Razer Hydra</a:t>
             </a:r>
-            <a:endParaRPr lang="en-AU" dirty="0"/>
+            <a:endParaRPr lang="en-AU" b="1" dirty="0"/>
           </a:p>
         </p:txBody>
       </p:sp>
@@ -4304,10 +4304,10 @@
           <a:lstStyle/>
           <a:p>
             <a:r>
-              <a:rPr lang="en-AU" dirty="0" err="1" smtClean="0"/>
+              <a:rPr lang="en-AU" b="1" dirty="0" err="1" smtClean="0"/>
               <a:t>Kinect</a:t>
             </a:r>
-            <a:endParaRPr lang="en-AU" dirty="0"/>
+            <a:endParaRPr lang="en-AU" b="1" dirty="0"/>
           </a:p>
         </p:txBody>
       </p:sp>

--- a/Documents/Presentations/Mock Presentation.pptx
+++ b/Documents/Presentations/Mock Presentation.pptx
@@ -7,16 +7,21 @@
   <p:sldIdLst>
     <p:sldId id="256" r:id="rId2"/>
     <p:sldId id="257" r:id="rId3"/>
-    <p:sldId id="259" r:id="rId4"/>
-    <p:sldId id="260" r:id="rId5"/>
-    <p:sldId id="261" r:id="rId6"/>
-    <p:sldId id="264" r:id="rId7"/>
+    <p:sldId id="278" r:id="rId4"/>
+    <p:sldId id="259" r:id="rId5"/>
+    <p:sldId id="260" r:id="rId6"/>
+    <p:sldId id="261" r:id="rId7"/>
     <p:sldId id="262" r:id="rId8"/>
-    <p:sldId id="267" r:id="rId9"/>
-    <p:sldId id="268" r:id="rId10"/>
-    <p:sldId id="269" r:id="rId11"/>
-    <p:sldId id="266" r:id="rId12"/>
-    <p:sldId id="263" r:id="rId13"/>
+    <p:sldId id="272" r:id="rId9"/>
+    <p:sldId id="267" r:id="rId10"/>
+    <p:sldId id="268" r:id="rId11"/>
+    <p:sldId id="270" r:id="rId12"/>
+    <p:sldId id="269" r:id="rId13"/>
+    <p:sldId id="276" r:id="rId14"/>
+    <p:sldId id="277" r:id="rId15"/>
+    <p:sldId id="275" r:id="rId16"/>
+    <p:sldId id="263" r:id="rId17"/>
+    <p:sldId id="273" r:id="rId18"/>
   </p:sldIdLst>
   <p:sldSz cx="9144000" cy="6858000" type="screen4x3"/>
   <p:notesSz cx="6858000" cy="9144000"/>
@@ -3162,9 +3167,16 @@
             <p:ph type="subTitle" idx="1"/>
           </p:nvPr>
         </p:nvSpPr>
-        <p:spPr/>
-        <p:txBody>
-          <a:bodyPr/>
+        <p:spPr>
+          <a:xfrm>
+            <a:off x="107504" y="3886200"/>
+            <a:ext cx="8928992" cy="1752600"/>
+          </a:xfrm>
+        </p:spPr>
+        <p:txBody>
+          <a:bodyPr>
+            <a:normAutofit fontScale="85000" lnSpcReduction="10000"/>
+          </a:bodyPr>
           <a:lstStyle/>
           <a:p>
             <a:r>
@@ -3173,9 +3185,98 @@
                   <a:schemeClr val="tx1"/>
                 </a:solidFill>
               </a:rPr>
-              <a:t>By Tempest</a:t>
-            </a:r>
+              <a:t>By </a:t>
+            </a:r>
+            <a:r>
+              <a:rPr lang="en-AU" dirty="0" smtClean="0">
+                <a:solidFill>
+                  <a:schemeClr val="tx1"/>
+                </a:solidFill>
+              </a:rPr>
+              <a:t>Tempest</a:t>
+            </a:r>
+          </a:p>
+          <a:p>
             <a:endParaRPr lang="en-AU" dirty="0">
+              <a:solidFill>
+                <a:schemeClr val="tx1"/>
+              </a:solidFill>
+            </a:endParaRPr>
+          </a:p>
+          <a:p>
+            <a:r>
+              <a:rPr lang="en-AU" sz="2000" dirty="0" smtClean="0">
+                <a:solidFill>
+                  <a:schemeClr val="tx1"/>
+                </a:solidFill>
+              </a:rPr>
+              <a:t>An ICT313 Games Technology Project</a:t>
+            </a:r>
+          </a:p>
+          <a:p>
+            <a:endParaRPr lang="en-AU" sz="2000" dirty="0" smtClean="0">
+              <a:solidFill>
+                <a:schemeClr val="tx1"/>
+              </a:solidFill>
+            </a:endParaRPr>
+          </a:p>
+          <a:p>
+            <a:pPr lvl="1"/>
+            <a:r>
+              <a:rPr lang="en-AU" sz="1900" dirty="0" err="1"/>
+              <a:t>Ary</a:t>
+            </a:r>
+            <a:r>
+              <a:rPr lang="en-AU" sz="1900" dirty="0"/>
+              <a:t> </a:t>
+            </a:r>
+            <a:r>
+              <a:rPr lang="en-AU" sz="1900" dirty="0" err="1" smtClean="0"/>
+              <a:t>Bizar</a:t>
+            </a:r>
+            <a:r>
+              <a:rPr lang="en-AU" sz="1900" dirty="0" smtClean="0"/>
+              <a:t>, </a:t>
+            </a:r>
+            <a:r>
+              <a:rPr lang="en-AU" sz="1900" dirty="0" err="1" smtClean="0"/>
+              <a:t>Anopan</a:t>
+            </a:r>
+            <a:r>
+              <a:rPr lang="en-AU" sz="1900" dirty="0" smtClean="0"/>
+              <a:t> </a:t>
+            </a:r>
+            <a:r>
+              <a:rPr lang="en-AU" sz="1900" dirty="0" err="1" smtClean="0"/>
+              <a:t>Kandiah</a:t>
+            </a:r>
+            <a:r>
+              <a:rPr lang="en-AU" sz="1900" dirty="0" smtClean="0"/>
+              <a:t>, Hannah </a:t>
+            </a:r>
+            <a:r>
+              <a:rPr lang="en-AU" sz="1900" dirty="0" err="1" smtClean="0"/>
+              <a:t>Klinac</a:t>
+            </a:r>
+            <a:r>
+              <a:rPr lang="en-AU" sz="1900" dirty="0" smtClean="0"/>
+              <a:t>, Alex </a:t>
+            </a:r>
+            <a:r>
+              <a:rPr lang="en-AU" sz="1900" dirty="0" err="1" smtClean="0"/>
+              <a:t>Mlodawski</a:t>
+            </a:r>
+            <a:r>
+              <a:rPr lang="en-AU" sz="1900" dirty="0" smtClean="0"/>
+              <a:t>, Bryan </a:t>
+            </a:r>
+            <a:r>
+              <a:rPr lang="en-AU" sz="1900" dirty="0"/>
+              <a:t>Yu</a:t>
+            </a:r>
+          </a:p>
+          <a:p>
+            <a:endParaRPr lang="en-AU" sz="1400" dirty="0">
               <a:solidFill>
                 <a:schemeClr val="tx1"/>
               </a:solidFill>
@@ -3204,6 +3305,169 @@
 </file>
 
 <file path=ppt/slides/slide10.xml><?xml version="1.0" encoding="utf-8"?>
+<p:sld xmlns:a="http://schemas.openxmlformats.org/drawingml/2006/main" xmlns:r="http://schemas.openxmlformats.org/officeDocument/2006/relationships" xmlns:p="http://schemas.openxmlformats.org/presentationml/2006/main">
+  <p:cSld>
+    <p:spTree>
+      <p:nvGrpSpPr>
+        <p:cNvPr id="1" name=""/>
+        <p:cNvGrpSpPr/>
+        <p:nvPr/>
+      </p:nvGrpSpPr>
+      <p:grpSpPr>
+        <a:xfrm>
+          <a:off x="0" y="0"/>
+          <a:ext cx="0" cy="0"/>
+          <a:chOff x="0" y="0"/>
+          <a:chExt cx="0" cy="0"/>
+        </a:xfrm>
+      </p:grpSpPr>
+      <p:sp>
+        <p:nvSpPr>
+          <p:cNvPr id="2" name="Title 1"/>
+          <p:cNvSpPr>
+            <a:spLocks noGrp="1"/>
+          </p:cNvSpPr>
+          <p:nvPr>
+            <p:ph type="title"/>
+          </p:nvPr>
+        </p:nvSpPr>
+        <p:spPr/>
+        <p:txBody>
+          <a:bodyPr/>
+          <a:lstStyle/>
+          <a:p>
+            <a:r>
+              <a:rPr lang="en-AU" b="1" dirty="0" err="1" smtClean="0"/>
+              <a:t>Kinect</a:t>
+            </a:r>
+            <a:r>
+              <a:rPr lang="en-AU" b="1" dirty="0" smtClean="0"/>
+              <a:t> (Alex + </a:t>
+            </a:r>
+            <a:r>
+              <a:rPr lang="en-AU" b="1" dirty="0" err="1" smtClean="0"/>
+              <a:t>Anopan</a:t>
+            </a:r>
+            <a:r>
+              <a:rPr lang="en-AU" b="1" dirty="0" smtClean="0"/>
+              <a:t>)</a:t>
+            </a:r>
+            <a:endParaRPr lang="en-AU" b="1" dirty="0"/>
+          </a:p>
+        </p:txBody>
+      </p:sp>
+      <p:sp>
+        <p:nvSpPr>
+          <p:cNvPr id="3" name="Content Placeholder 2"/>
+          <p:cNvSpPr>
+            <a:spLocks noGrp="1"/>
+          </p:cNvSpPr>
+          <p:nvPr>
+            <p:ph idx="1"/>
+          </p:nvPr>
+        </p:nvSpPr>
+        <p:spPr/>
+        <p:txBody>
+          <a:bodyPr/>
+          <a:lstStyle/>
+          <a:p>
+            <a:endParaRPr lang="en-AU"/>
+          </a:p>
+        </p:txBody>
+      </p:sp>
+    </p:spTree>
+    <p:extLst>
+      <p:ext uri="{BB962C8B-B14F-4D97-AF65-F5344CB8AC3E}">
+        <p14:creationId xmlns:p14="http://schemas.microsoft.com/office/powerpoint/2010/main" val="787383623"/>
+      </p:ext>
+    </p:extLst>
+  </p:cSld>
+  <p:clrMapOvr>
+    <a:masterClrMapping/>
+  </p:clrMapOvr>
+  <p:timing>
+    <p:tnLst>
+      <p:par>
+        <p:cTn id="1" dur="indefinite" restart="never" nodeType="tmRoot"/>
+      </p:par>
+    </p:tnLst>
+  </p:timing>
+</p:sld>
+</file>
+
+<file path=ppt/slides/slide11.xml><?xml version="1.0" encoding="utf-8"?>
+<p:sld xmlns:a="http://schemas.openxmlformats.org/drawingml/2006/main" xmlns:r="http://schemas.openxmlformats.org/officeDocument/2006/relationships" xmlns:p="http://schemas.openxmlformats.org/presentationml/2006/main">
+  <p:cSld>
+    <p:spTree>
+      <p:nvGrpSpPr>
+        <p:cNvPr id="1" name=""/>
+        <p:cNvGrpSpPr/>
+        <p:nvPr/>
+      </p:nvGrpSpPr>
+      <p:grpSpPr>
+        <a:xfrm>
+          <a:off x="0" y="0"/>
+          <a:ext cx="0" cy="0"/>
+          <a:chOff x="0" y="0"/>
+          <a:chExt cx="0" cy="0"/>
+        </a:xfrm>
+      </p:grpSpPr>
+      <p:sp>
+        <p:nvSpPr>
+          <p:cNvPr id="2" name="Title 1"/>
+          <p:cNvSpPr>
+            <a:spLocks noGrp="1"/>
+          </p:cNvSpPr>
+          <p:nvPr>
+            <p:ph type="title"/>
+          </p:nvPr>
+        </p:nvSpPr>
+        <p:spPr/>
+        <p:txBody>
+          <a:bodyPr/>
+          <a:lstStyle/>
+          <a:p>
+            <a:r>
+              <a:rPr lang="en-AU" b="1" dirty="0" smtClean="0"/>
+              <a:t>Leap Motion (Hannah)</a:t>
+            </a:r>
+            <a:endParaRPr lang="en-AU" b="1" dirty="0"/>
+          </a:p>
+        </p:txBody>
+      </p:sp>
+      <p:sp>
+        <p:nvSpPr>
+          <p:cNvPr id="3" name="Content Placeholder 2"/>
+          <p:cNvSpPr>
+            <a:spLocks noGrp="1"/>
+          </p:cNvSpPr>
+          <p:nvPr>
+            <p:ph idx="1"/>
+          </p:nvPr>
+        </p:nvSpPr>
+        <p:spPr/>
+        <p:txBody>
+          <a:bodyPr/>
+          <a:lstStyle/>
+          <a:p>
+            <a:endParaRPr lang="en-AU"/>
+          </a:p>
+        </p:txBody>
+      </p:sp>
+    </p:spTree>
+    <p:extLst>
+      <p:ext uri="{BB962C8B-B14F-4D97-AF65-F5344CB8AC3E}">
+        <p14:creationId xmlns:p14="http://schemas.microsoft.com/office/powerpoint/2010/main" val="2433144395"/>
+      </p:ext>
+    </p:extLst>
+  </p:cSld>
+  <p:clrMapOvr>
+    <a:masterClrMapping/>
+  </p:clrMapOvr>
+</p:sld>
+</file>
+
+<file path=ppt/slides/slide12.xml><?xml version="1.0" encoding="utf-8"?>
 <p:sld xmlns:a="http://schemas.openxmlformats.org/drawingml/2006/main" xmlns:r="http://schemas.openxmlformats.org/officeDocument/2006/relationships" xmlns:p="http://schemas.openxmlformats.org/presentationml/2006/main">
   <p:cSld>
     <p:spTree>
@@ -3331,8 +3595,8 @@
         </p:blipFill>
         <p:spPr>
           <a:xfrm>
-            <a:off x="0" y="1"/>
-            <a:ext cx="4560055" cy="3420042"/>
+            <a:off x="0" y="0"/>
+            <a:ext cx="4581980" cy="3436486"/>
           </a:xfrm>
           <a:prstGeom prst="rect">
             <a:avLst/>
@@ -3374,7 +3638,24 @@
                   </a:outerShdw>
                 </a:effectLst>
               </a:rPr>
-              <a:t>Leap Motion</a:t>
+              <a:t>Leap </a:t>
+            </a:r>
+            <a:r>
+              <a:rPr lang="en-AU" b="1" dirty="0" smtClean="0">
+                <a:solidFill>
+                  <a:schemeClr val="accent6">
+                    <a:lumMod val="75000"/>
+                  </a:schemeClr>
+                </a:solidFill>
+                <a:effectLst>
+                  <a:outerShdw blurRad="38100" dist="38100" dir="2700000" algn="tl">
+                    <a:srgbClr val="000000">
+                      <a:alpha val="43137"/>
+                    </a:srgbClr>
+                  </a:outerShdw>
+                </a:effectLst>
+              </a:rPr>
+              <a:t>Motion</a:t>
             </a:r>
             <a:endParaRPr lang="en-AU" b="1" dirty="0">
               <a:solidFill>
@@ -3413,7 +3694,7 @@
 </p:sld>
 </file>
 
-<file path=ppt/slides/slide11.xml><?xml version="1.0" encoding="utf-8"?>
+<file path=ppt/slides/slide13.xml><?xml version="1.0" encoding="utf-8"?>
 <p:sld xmlns:a="http://schemas.openxmlformats.org/drawingml/2006/main" xmlns:r="http://schemas.openxmlformats.org/officeDocument/2006/relationships" xmlns:p="http://schemas.openxmlformats.org/presentationml/2006/main">
   <p:cSld>
     <p:spTree>
@@ -3446,16 +3727,8 @@
           <a:lstStyle/>
           <a:p>
             <a:r>
-              <a:rPr lang="en-AU" b="1" dirty="0" err="1" smtClean="0"/>
-              <a:t>Ary</a:t>
-            </a:r>
-            <a:r>
               <a:rPr lang="en-AU" b="1" dirty="0" smtClean="0"/>
-              <a:t> </a:t>
-            </a:r>
-            <a:r>
-              <a:rPr lang="en-AU" b="1" dirty="0" err="1" smtClean="0"/>
-              <a:t>Twerking</a:t>
+              <a:t>Current Status</a:t>
             </a:r>
             <a:endParaRPr lang="en-AU" b="1" dirty="0"/>
           </a:p>
@@ -3476,14 +3749,250 @@
           <a:bodyPr/>
           <a:lstStyle/>
           <a:p>
-            <a:endParaRPr lang="en-AU"/>
+            <a:r>
+              <a:rPr lang="en-AU" dirty="0" smtClean="0"/>
+              <a:t>Virtual Simulation</a:t>
+            </a:r>
+          </a:p>
+          <a:p>
+            <a:r>
+              <a:rPr lang="en-AU" dirty="0" smtClean="0"/>
+              <a:t>3 levels</a:t>
+            </a:r>
+          </a:p>
+          <a:p>
+            <a:r>
+              <a:rPr lang="en-AU" dirty="0" smtClean="0"/>
+              <a:t>Devices</a:t>
+            </a:r>
+          </a:p>
+          <a:p>
+            <a:r>
+              <a:rPr lang="en-AU" dirty="0" smtClean="0"/>
+              <a:t>Database</a:t>
+            </a:r>
+          </a:p>
+          <a:p>
+            <a:r>
+              <a:rPr lang="en-AU" dirty="0" smtClean="0"/>
+              <a:t>Sensitivity/settings</a:t>
+            </a:r>
+          </a:p>
+          <a:p>
+            <a:endParaRPr lang="en-AU" dirty="0"/>
           </a:p>
         </p:txBody>
       </p:sp>
     </p:spTree>
     <p:extLst>
       <p:ext uri="{BB962C8B-B14F-4D97-AF65-F5344CB8AC3E}">
-        <p14:creationId xmlns:p14="http://schemas.microsoft.com/office/powerpoint/2010/main" val="4133536331"/>
+        <p14:creationId xmlns:p14="http://schemas.microsoft.com/office/powerpoint/2010/main" val="4234048080"/>
+      </p:ext>
+    </p:extLst>
+  </p:cSld>
+  <p:clrMapOvr>
+    <a:masterClrMapping/>
+  </p:clrMapOvr>
+</p:sld>
+</file>
+
+<file path=ppt/slides/slide14.xml><?xml version="1.0" encoding="utf-8"?>
+<p:sld xmlns:a="http://schemas.openxmlformats.org/drawingml/2006/main" xmlns:r="http://schemas.openxmlformats.org/officeDocument/2006/relationships" xmlns:p="http://schemas.openxmlformats.org/presentationml/2006/main">
+  <p:cSld>
+    <p:spTree>
+      <p:nvGrpSpPr>
+        <p:cNvPr id="1" name=""/>
+        <p:cNvGrpSpPr/>
+        <p:nvPr/>
+      </p:nvGrpSpPr>
+      <p:grpSpPr>
+        <a:xfrm>
+          <a:off x="0" y="0"/>
+          <a:ext cx="0" cy="0"/>
+          <a:chOff x="0" y="0"/>
+          <a:chExt cx="0" cy="0"/>
+        </a:xfrm>
+      </p:grpSpPr>
+      <p:sp>
+        <p:nvSpPr>
+          <p:cNvPr id="2" name="Title 1"/>
+          <p:cNvSpPr>
+            <a:spLocks noGrp="1"/>
+          </p:cNvSpPr>
+          <p:nvPr>
+            <p:ph type="title"/>
+          </p:nvPr>
+        </p:nvSpPr>
+        <p:spPr/>
+        <p:txBody>
+          <a:bodyPr/>
+          <a:lstStyle/>
+          <a:p>
+            <a:r>
+              <a:rPr lang="en-AU" b="1" dirty="0" smtClean="0"/>
+              <a:t>Future Possibilities</a:t>
+            </a:r>
+            <a:endParaRPr lang="en-AU" b="1" dirty="0"/>
+          </a:p>
+        </p:txBody>
+      </p:sp>
+      <p:sp>
+        <p:nvSpPr>
+          <p:cNvPr id="3" name="Content Placeholder 2"/>
+          <p:cNvSpPr>
+            <a:spLocks noGrp="1"/>
+          </p:cNvSpPr>
+          <p:nvPr>
+            <p:ph idx="1"/>
+          </p:nvPr>
+        </p:nvSpPr>
+        <p:spPr/>
+        <p:txBody>
+          <a:bodyPr/>
+          <a:lstStyle/>
+          <a:p>
+            <a:r>
+              <a:rPr lang="en-AU" dirty="0" smtClean="0"/>
+              <a:t>Clinical use</a:t>
+            </a:r>
+          </a:p>
+          <a:p>
+            <a:r>
+              <a:rPr lang="en-AU" dirty="0" smtClean="0"/>
+              <a:t>Adding speech</a:t>
+            </a:r>
+            <a:endParaRPr lang="en-AU" dirty="0"/>
+          </a:p>
+        </p:txBody>
+      </p:sp>
+    </p:spTree>
+    <p:extLst>
+      <p:ext uri="{BB962C8B-B14F-4D97-AF65-F5344CB8AC3E}">
+        <p14:creationId xmlns:p14="http://schemas.microsoft.com/office/powerpoint/2010/main" val="4032374465"/>
+      </p:ext>
+    </p:extLst>
+  </p:cSld>
+  <p:clrMapOvr>
+    <a:masterClrMapping/>
+  </p:clrMapOvr>
+</p:sld>
+</file>
+
+<file path=ppt/slides/slide15.xml><?xml version="1.0" encoding="utf-8"?>
+<p:sld xmlns:a="http://schemas.openxmlformats.org/drawingml/2006/main" xmlns:r="http://schemas.openxmlformats.org/officeDocument/2006/relationships" xmlns:p="http://schemas.openxmlformats.org/presentationml/2006/main">
+  <p:cSld>
+    <p:spTree>
+      <p:nvGrpSpPr>
+        <p:cNvPr id="1" name=""/>
+        <p:cNvGrpSpPr/>
+        <p:nvPr/>
+      </p:nvGrpSpPr>
+      <p:grpSpPr>
+        <a:xfrm>
+          <a:off x="0" y="0"/>
+          <a:ext cx="0" cy="0"/>
+          <a:chOff x="0" y="0"/>
+          <a:chExt cx="0" cy="0"/>
+        </a:xfrm>
+      </p:grpSpPr>
+      <p:sp>
+        <p:nvSpPr>
+          <p:cNvPr id="2" name="Title 1"/>
+          <p:cNvSpPr>
+            <a:spLocks noGrp="1"/>
+          </p:cNvSpPr>
+          <p:nvPr>
+            <p:ph type="title"/>
+          </p:nvPr>
+        </p:nvSpPr>
+        <p:spPr/>
+        <p:txBody>
+          <a:bodyPr/>
+          <a:lstStyle/>
+          <a:p>
+            <a:r>
+              <a:rPr lang="en-AU" b="1" dirty="0" smtClean="0"/>
+              <a:t>Challenges and Lessons Learned</a:t>
+            </a:r>
+            <a:endParaRPr lang="en-AU" b="1" dirty="0"/>
+          </a:p>
+        </p:txBody>
+      </p:sp>
+      <p:sp>
+        <p:nvSpPr>
+          <p:cNvPr id="3" name="Content Placeholder 2"/>
+          <p:cNvSpPr>
+            <a:spLocks noGrp="1"/>
+          </p:cNvSpPr>
+          <p:nvPr>
+            <p:ph idx="1"/>
+          </p:nvPr>
+        </p:nvSpPr>
+        <p:spPr/>
+        <p:txBody>
+          <a:bodyPr/>
+          <a:lstStyle/>
+          <a:p>
+            <a:r>
+              <a:rPr lang="en-AU" dirty="0" smtClean="0"/>
+              <a:t>Devices</a:t>
+            </a:r>
+          </a:p>
+          <a:p>
+            <a:pPr lvl="1"/>
+            <a:r>
+              <a:rPr lang="en-AU" dirty="0" smtClean="0"/>
+              <a:t>Beta products</a:t>
+            </a:r>
+          </a:p>
+          <a:p>
+            <a:pPr lvl="1"/>
+            <a:r>
+              <a:rPr lang="en-AU" dirty="0" smtClean="0"/>
+              <a:t>Driver clashes</a:t>
+            </a:r>
+          </a:p>
+          <a:p>
+            <a:pPr lvl="1"/>
+            <a:r>
+              <a:rPr lang="en-AU" dirty="0" smtClean="0"/>
+              <a:t>Versions/</a:t>
+            </a:r>
+            <a:r>
+              <a:rPr lang="en-AU" dirty="0" err="1"/>
+              <a:t>c</a:t>
+            </a:r>
+            <a:r>
+              <a:rPr lang="en-AU" dirty="0" err="1" smtClean="0"/>
+              <a:t>ompatability</a:t>
+            </a:r>
+            <a:endParaRPr lang="en-AU" dirty="0" smtClean="0"/>
+          </a:p>
+          <a:p>
+            <a:r>
+              <a:rPr lang="en-AU" dirty="0" smtClean="0"/>
+              <a:t>Designing movements/gestures</a:t>
+            </a:r>
+          </a:p>
+          <a:p>
+            <a:r>
+              <a:rPr lang="en-AU" dirty="0" smtClean="0"/>
+              <a:t>Version control (levels + devices)</a:t>
+            </a:r>
+          </a:p>
+          <a:p>
+            <a:r>
+              <a:rPr lang="en-AU" dirty="0" smtClean="0"/>
+              <a:t>Communication</a:t>
+            </a:r>
+            <a:endParaRPr lang="en-AU" dirty="0"/>
+          </a:p>
+        </p:txBody>
+      </p:sp>
+    </p:spTree>
+    <p:extLst>
+      <p:ext uri="{BB962C8B-B14F-4D97-AF65-F5344CB8AC3E}">
+        <p14:creationId xmlns:p14="http://schemas.microsoft.com/office/powerpoint/2010/main" val="1696129637"/>
       </p:ext>
     </p:extLst>
   </p:cSld>
@@ -3500,7 +4009,7 @@
 </p:sld>
 </file>
 
-<file path=ppt/slides/slide12.xml><?xml version="1.0" encoding="utf-8"?>
+<file path=ppt/slides/slide16.xml><?xml version="1.0" encoding="utf-8"?>
 <p:sld xmlns:a="http://schemas.openxmlformats.org/drawingml/2006/main" xmlns:r="http://schemas.openxmlformats.org/officeDocument/2006/relationships" xmlns:p="http://schemas.openxmlformats.org/presentationml/2006/main">
   <p:cSld>
     <p:spTree>
@@ -3534,7 +4043,7 @@
           <a:p>
             <a:r>
               <a:rPr lang="en-AU" b="1" dirty="0" smtClean="0"/>
-              <a:t>Conclusion</a:t>
+              <a:t>Acknowledgements</a:t>
             </a:r>
             <a:endParaRPr lang="en-AU" b="1" dirty="0"/>
           </a:p>
@@ -3555,7 +4064,42 @@
           <a:bodyPr/>
           <a:lstStyle/>
           <a:p>
-            <a:endParaRPr lang="en-AU"/>
+            <a:r>
+              <a:rPr lang="en-AU" dirty="0" smtClean="0"/>
+              <a:t>Client – Mr </a:t>
+            </a:r>
+            <a:r>
+              <a:rPr lang="en-AU" dirty="0" err="1" smtClean="0"/>
+              <a:t>Shri</a:t>
+            </a:r>
+            <a:r>
+              <a:rPr lang="en-AU" dirty="0" smtClean="0"/>
+              <a:t> </a:t>
+            </a:r>
+            <a:r>
+              <a:rPr lang="en-AU" dirty="0" err="1" smtClean="0"/>
+              <a:t>Rai</a:t>
+            </a:r>
+            <a:endParaRPr lang="en-AU" dirty="0" smtClean="0"/>
+          </a:p>
+          <a:p>
+            <a:r>
+              <a:rPr lang="en-AU" dirty="0" smtClean="0"/>
+              <a:t>Supervisor – Dr </a:t>
+            </a:r>
+            <a:r>
+              <a:rPr lang="en-AU" dirty="0" err="1" smtClean="0"/>
+              <a:t>Fairuz</a:t>
+            </a:r>
+            <a:r>
+              <a:rPr lang="en-AU" dirty="0" smtClean="0"/>
+              <a:t> </a:t>
+            </a:r>
+            <a:r>
+              <a:rPr lang="en-AU" dirty="0" err="1" smtClean="0"/>
+              <a:t>Shiratuddin</a:t>
+            </a:r>
+            <a:endParaRPr lang="en-AU" dirty="0"/>
           </a:p>
         </p:txBody>
       </p:sp>
@@ -3576,6 +4120,78 @@
       </p:par>
     </p:tnLst>
   </p:timing>
+</p:sld>
+</file>
+
+<file path=ppt/slides/slide17.xml><?xml version="1.0" encoding="utf-8"?>
+<p:sld xmlns:a="http://schemas.openxmlformats.org/drawingml/2006/main" xmlns:r="http://schemas.openxmlformats.org/officeDocument/2006/relationships" xmlns:p="http://schemas.openxmlformats.org/presentationml/2006/main">
+  <p:cSld>
+    <p:spTree>
+      <p:nvGrpSpPr>
+        <p:cNvPr id="1" name=""/>
+        <p:cNvGrpSpPr/>
+        <p:nvPr/>
+      </p:nvGrpSpPr>
+      <p:grpSpPr>
+        <a:xfrm>
+          <a:off x="0" y="0"/>
+          <a:ext cx="0" cy="0"/>
+          <a:chOff x="0" y="0"/>
+          <a:chExt cx="0" cy="0"/>
+        </a:xfrm>
+      </p:grpSpPr>
+      <p:sp>
+        <p:nvSpPr>
+          <p:cNvPr id="2" name="Title 1"/>
+          <p:cNvSpPr>
+            <a:spLocks noGrp="1"/>
+          </p:cNvSpPr>
+          <p:nvPr>
+            <p:ph type="title"/>
+          </p:nvPr>
+        </p:nvSpPr>
+        <p:spPr/>
+        <p:txBody>
+          <a:bodyPr/>
+          <a:lstStyle/>
+          <a:p>
+            <a:r>
+              <a:rPr lang="en-AU" b="1" dirty="0" smtClean="0"/>
+              <a:t>Questions?</a:t>
+            </a:r>
+            <a:endParaRPr lang="en-AU" b="1" dirty="0"/>
+          </a:p>
+        </p:txBody>
+      </p:sp>
+      <p:sp>
+        <p:nvSpPr>
+          <p:cNvPr id="3" name="Content Placeholder 2"/>
+          <p:cNvSpPr>
+            <a:spLocks noGrp="1"/>
+          </p:cNvSpPr>
+          <p:nvPr>
+            <p:ph idx="1"/>
+          </p:nvPr>
+        </p:nvSpPr>
+        <p:spPr/>
+        <p:txBody>
+          <a:bodyPr/>
+          <a:lstStyle/>
+          <a:p>
+            <a:endParaRPr lang="en-AU"/>
+          </a:p>
+        </p:txBody>
+      </p:sp>
+    </p:spTree>
+    <p:extLst>
+      <p:ext uri="{BB962C8B-B14F-4D97-AF65-F5344CB8AC3E}">
+        <p14:creationId xmlns:p14="http://schemas.microsoft.com/office/powerpoint/2010/main" val="2549088868"/>
+      </p:ext>
+    </p:extLst>
+  </p:cSld>
+  <p:clrMapOvr>
+    <a:masterClrMapping/>
+  </p:clrMapOvr>
 </p:sld>
 </file>
 
@@ -3829,7 +4445,7 @@
           <a:p>
             <a:r>
               <a:rPr lang="en-AU" b="1" dirty="0" smtClean="0"/>
-              <a:t>Background</a:t>
+              <a:t>Project Management</a:t>
             </a:r>
             <a:endParaRPr lang="en-AU" b="1" dirty="0"/>
           </a:p>
@@ -3850,27 +4466,36 @@
           <a:bodyPr/>
           <a:lstStyle/>
           <a:p>
-            <a:endParaRPr lang="en-AU"/>
+            <a:r>
+              <a:rPr lang="en-AU" dirty="0" smtClean="0"/>
+              <a:t>Methodology</a:t>
+            </a:r>
+          </a:p>
+          <a:p>
+            <a:r>
+              <a:rPr lang="en-AU" dirty="0" smtClean="0"/>
+              <a:t>Weekly team/supervisor meetings</a:t>
+            </a:r>
+          </a:p>
+          <a:p>
+            <a:r>
+              <a:rPr lang="en-AU" dirty="0" smtClean="0"/>
+              <a:t>Source code control</a:t>
+            </a:r>
+            <a:endParaRPr lang="en-AU" dirty="0"/>
           </a:p>
         </p:txBody>
       </p:sp>
     </p:spTree>
     <p:extLst>
       <p:ext uri="{BB962C8B-B14F-4D97-AF65-F5344CB8AC3E}">
-        <p14:creationId xmlns:p14="http://schemas.microsoft.com/office/powerpoint/2010/main" val="3140906166"/>
+        <p14:creationId xmlns:p14="http://schemas.microsoft.com/office/powerpoint/2010/main" val="541140912"/>
       </p:ext>
     </p:extLst>
   </p:cSld>
   <p:clrMapOvr>
     <a:masterClrMapping/>
   </p:clrMapOvr>
-  <p:timing>
-    <p:tnLst>
-      <p:par>
-        <p:cTn id="1" dur="indefinite" restart="never" nodeType="tmRoot"/>
-      </p:par>
-    </p:tnLst>
-  </p:timing>
 </p:sld>
 </file>
 
@@ -3908,7 +4533,7 @@
           <a:p>
             <a:r>
               <a:rPr lang="en-AU" b="1" dirty="0" smtClean="0"/>
-              <a:t>Problem</a:t>
+              <a:t>Background</a:t>
             </a:r>
             <a:endParaRPr lang="en-AU" b="1" dirty="0"/>
           </a:p>
@@ -3929,14 +4554,38 @@
           <a:bodyPr/>
           <a:lstStyle/>
           <a:p>
-            <a:endParaRPr lang="en-AU"/>
+            <a:r>
+              <a:rPr lang="en-AU" dirty="0" smtClean="0"/>
+              <a:t>Stroke</a:t>
+            </a:r>
+          </a:p>
+          <a:p>
+            <a:pPr lvl="1"/>
+            <a:r>
+              <a:rPr lang="en-AU" dirty="0" smtClean="0"/>
+              <a:t>How it affects the brain</a:t>
+            </a:r>
+            <a:endParaRPr lang="en-AU" dirty="0" smtClean="0"/>
+          </a:p>
+          <a:p>
+            <a:r>
+              <a:rPr lang="en-AU" dirty="0" smtClean="0"/>
+              <a:t>Rehabilitation</a:t>
+            </a:r>
+          </a:p>
+          <a:p>
+            <a:pPr lvl="1"/>
+            <a:r>
+              <a:rPr lang="en-AU" dirty="0" smtClean="0"/>
+              <a:t>Rewiring</a:t>
+            </a:r>
           </a:p>
         </p:txBody>
       </p:sp>
     </p:spTree>
     <p:extLst>
       <p:ext uri="{BB962C8B-B14F-4D97-AF65-F5344CB8AC3E}">
-        <p14:creationId xmlns:p14="http://schemas.microsoft.com/office/powerpoint/2010/main" val="3408427027"/>
+        <p14:creationId xmlns:p14="http://schemas.microsoft.com/office/powerpoint/2010/main" val="3140906166"/>
       </p:ext>
     </p:extLst>
   </p:cSld>
@@ -3987,7 +4636,7 @@
           <a:p>
             <a:r>
               <a:rPr lang="en-AU" b="1" dirty="0" smtClean="0"/>
-              <a:t>Solution</a:t>
+              <a:t>Problem</a:t>
             </a:r>
             <a:endParaRPr lang="en-AU" b="1" dirty="0"/>
           </a:p>
@@ -4008,14 +4657,42 @@
           <a:bodyPr/>
           <a:lstStyle/>
           <a:p>
-            <a:endParaRPr lang="en-AU"/>
+            <a:r>
+              <a:rPr lang="en-AU" dirty="0" smtClean="0"/>
+              <a:t>Rehabilitation</a:t>
+            </a:r>
+          </a:p>
+          <a:p>
+            <a:pPr lvl="1"/>
+            <a:r>
+              <a:rPr lang="en-AU" dirty="0"/>
+              <a:t>Expensive</a:t>
+            </a:r>
+          </a:p>
+          <a:p>
+            <a:pPr lvl="1"/>
+            <a:r>
+              <a:rPr lang="en-AU" dirty="0" smtClean="0"/>
+              <a:t>Tedious/boring</a:t>
+            </a:r>
+          </a:p>
+          <a:p>
+            <a:pPr lvl="1"/>
+            <a:r>
+              <a:rPr lang="en-AU" dirty="0" smtClean="0"/>
+              <a:t>Limited</a:t>
+            </a:r>
+            <a:endParaRPr lang="en-AU" dirty="0"/>
+          </a:p>
+          <a:p>
+            <a:endParaRPr lang="en-AU" dirty="0"/>
           </a:p>
         </p:txBody>
       </p:sp>
     </p:spTree>
     <p:extLst>
       <p:ext uri="{BB962C8B-B14F-4D97-AF65-F5344CB8AC3E}">
-        <p14:creationId xmlns:p14="http://schemas.microsoft.com/office/powerpoint/2010/main" val="58436787"/>
+        <p14:creationId xmlns:p14="http://schemas.microsoft.com/office/powerpoint/2010/main" val="3408427027"/>
       </p:ext>
     </p:extLst>
   </p:cSld>
@@ -4066,7 +4743,7 @@
           <a:p>
             <a:r>
               <a:rPr lang="en-AU" b="1" dirty="0" smtClean="0"/>
-              <a:t>Challenges</a:t>
+              <a:t>Solution</a:t>
             </a:r>
             <a:endParaRPr lang="en-AU" b="1" dirty="0"/>
           </a:p>
@@ -4082,19 +4759,113 @@
             <p:ph idx="1"/>
           </p:nvPr>
         </p:nvSpPr>
-        <p:spPr/>
-        <p:txBody>
-          <a:bodyPr/>
-          <a:lstStyle/>
-          <a:p>
+        <p:spPr>
+          <a:xfrm>
+            <a:off x="457200" y="1268760"/>
+            <a:ext cx="8229600" cy="5589240"/>
+          </a:xfrm>
+        </p:spPr>
+        <p:txBody>
+          <a:bodyPr/>
+          <a:lstStyle/>
+          <a:p>
+            <a:r>
+              <a:rPr lang="en-AU" dirty="0" smtClean="0"/>
+              <a:t>Virtual Simulation</a:t>
+            </a:r>
+          </a:p>
+          <a:p>
+            <a:pPr lvl="1"/>
+            <a:r>
+              <a:rPr lang="en-AU" dirty="0" smtClean="0"/>
+              <a:t>3 worlds</a:t>
+            </a:r>
             <a:endParaRPr lang="en-AU" dirty="0"/>
+          </a:p>
+          <a:p>
+            <a:r>
+              <a:rPr lang="en-AU" dirty="0" smtClean="0"/>
+              <a:t>Devices</a:t>
+            </a:r>
+          </a:p>
+          <a:p>
+            <a:pPr lvl="1"/>
+            <a:r>
+              <a:rPr lang="en-AU" dirty="0" smtClean="0"/>
+              <a:t>Oculus + Keyboard and mouse</a:t>
+            </a:r>
+          </a:p>
+          <a:p>
+            <a:pPr lvl="1"/>
+            <a:r>
+              <a:rPr lang="en-AU" dirty="0"/>
+              <a:t>Oculus </a:t>
+            </a:r>
+            <a:r>
+              <a:rPr lang="en-AU" dirty="0" smtClean="0"/>
+              <a:t>+ Razer Hydra</a:t>
+            </a:r>
+          </a:p>
+          <a:p>
+            <a:pPr lvl="1"/>
+            <a:r>
+              <a:rPr lang="en-AU" dirty="0"/>
+              <a:t>Oculus </a:t>
+            </a:r>
+            <a:r>
+              <a:rPr lang="en-AU" dirty="0" smtClean="0"/>
+              <a:t>+ </a:t>
+            </a:r>
+            <a:r>
+              <a:rPr lang="en-AU" dirty="0" err="1" smtClean="0"/>
+              <a:t>Kinect</a:t>
+            </a:r>
+            <a:endParaRPr lang="en-AU" dirty="0"/>
+          </a:p>
+          <a:p>
+            <a:pPr lvl="1"/>
+            <a:r>
+              <a:rPr lang="en-AU" dirty="0"/>
+              <a:t>Oculus </a:t>
+            </a:r>
+            <a:r>
+              <a:rPr lang="en-AU" dirty="0" smtClean="0"/>
+              <a:t>+ Leap Motion</a:t>
+            </a:r>
+          </a:p>
+          <a:p>
+            <a:r>
+              <a:rPr lang="en-AU" dirty="0" smtClean="0"/>
+              <a:t>Sensitivity/Settings</a:t>
+            </a:r>
+          </a:p>
+          <a:p>
+            <a:r>
+              <a:rPr lang="en-AU" dirty="0" smtClean="0"/>
+              <a:t>Monitoring progress</a:t>
+            </a:r>
+          </a:p>
+          <a:p>
+            <a:r>
+              <a:rPr lang="en-AU" dirty="0" smtClean="0"/>
+              <a:t>Profiles on a database</a:t>
+            </a:r>
+            <a:endParaRPr lang="en-AU" dirty="0"/>
+          </a:p>
+          <a:p>
+            <a:pPr lvl="1"/>
+            <a:endParaRPr lang="en-AU" dirty="0" smtClean="0"/>
+          </a:p>
+          <a:p>
+            <a:pPr lvl="1"/>
+            <a:endParaRPr lang="en-AU" dirty="0" smtClean="0"/>
           </a:p>
         </p:txBody>
       </p:sp>
     </p:spTree>
     <p:extLst>
       <p:ext uri="{BB962C8B-B14F-4D97-AF65-F5344CB8AC3E}">
-        <p14:creationId xmlns:p14="http://schemas.microsoft.com/office/powerpoint/2010/main" val="2591002575"/>
+        <p14:creationId xmlns:p14="http://schemas.microsoft.com/office/powerpoint/2010/main" val="58436787"/>
       </p:ext>
     </p:extLst>
   </p:cSld>
@@ -4147,7 +4918,15 @@
           <a:p>
             <a:r>
               <a:rPr lang="en-AU" b="1" dirty="0" smtClean="0"/>
-              <a:t>World</a:t>
+              <a:t>World (</a:t>
+            </a:r>
+            <a:r>
+              <a:rPr lang="en-AU" b="1" dirty="0" err="1" smtClean="0"/>
+              <a:t>Ary</a:t>
+            </a:r>
+            <a:r>
+              <a:rPr lang="en-AU" b="1" dirty="0" smtClean="0"/>
+              <a:t>)</a:t>
             </a:r>
             <a:endParaRPr lang="en-AU" b="1" dirty="0"/>
           </a:p>
@@ -4226,7 +5005,7 @@
           <a:p>
             <a:r>
               <a:rPr lang="en-AU" b="1" dirty="0" smtClean="0"/>
-              <a:t>Razer Hydra</a:t>
+              <a:t>Database</a:t>
             </a:r>
             <a:endParaRPr lang="en-AU" b="1" dirty="0"/>
           </a:p>
@@ -4254,20 +5033,13 @@
     </p:spTree>
     <p:extLst>
       <p:ext uri="{BB962C8B-B14F-4D97-AF65-F5344CB8AC3E}">
-        <p14:creationId xmlns:p14="http://schemas.microsoft.com/office/powerpoint/2010/main" val="713274586"/>
+        <p14:creationId xmlns:p14="http://schemas.microsoft.com/office/powerpoint/2010/main" val="2058531972"/>
       </p:ext>
     </p:extLst>
   </p:cSld>
   <p:clrMapOvr>
     <a:masterClrMapping/>
   </p:clrMapOvr>
-  <p:timing>
-    <p:tnLst>
-      <p:par>
-        <p:cTn id="1" dur="indefinite" restart="never" nodeType="tmRoot"/>
-      </p:par>
-    </p:tnLst>
-  </p:timing>
 </p:sld>
 </file>
 
@@ -4304,8 +5076,12 @@
           <a:lstStyle/>
           <a:p>
             <a:r>
-              <a:rPr lang="en-AU" b="1" dirty="0" err="1" smtClean="0"/>
-              <a:t>Kinect</a:t>
+              <a:rPr lang="en-AU" b="1" dirty="0" smtClean="0"/>
+              <a:t>Razer </a:t>
+            </a:r>
+            <a:r>
+              <a:rPr lang="en-AU" b="1" dirty="0" smtClean="0"/>
+              <a:t>Hydra (Bryan)</a:t>
             </a:r>
             <a:endParaRPr lang="en-AU" b="1" dirty="0"/>
           </a:p>
@@ -4333,7 +5109,7 @@
     </p:spTree>
     <p:extLst>
       <p:ext uri="{BB962C8B-B14F-4D97-AF65-F5344CB8AC3E}">
-        <p14:creationId xmlns:p14="http://schemas.microsoft.com/office/powerpoint/2010/main" val="787383623"/>
+        <p14:creationId xmlns:p14="http://schemas.microsoft.com/office/powerpoint/2010/main" val="713274586"/>
       </p:ext>
     </p:extLst>
   </p:cSld>

--- a/Documents/Presentations/Mock Presentation.pptx
+++ b/Documents/Presentations/Mock Presentation.pptx
@@ -4,6 +4,9 @@
   <p:sldMasterIdLst>
     <p:sldMasterId id="2147483648" r:id="rId1"/>
   </p:sldMasterIdLst>
+  <p:handoutMasterIdLst>
+    <p:handoutMasterId r:id="rId19"/>
+  </p:handoutMasterIdLst>
   <p:sldIdLst>
     <p:sldId id="256" r:id="rId2"/>
     <p:sldId id="257" r:id="rId3"/>
@@ -121,6 +124,171 @@
     </a:lvl9pPr>
   </p:defaultTextStyle>
 </p:presentation>
+</file>
+
+<file path=ppt/handoutMasters/handoutMaster1.xml><?xml version="1.0" encoding="utf-8"?>
+<p:handoutMaster xmlns:a="http://schemas.openxmlformats.org/drawingml/2006/main" xmlns:r="http://schemas.openxmlformats.org/officeDocument/2006/relationships" xmlns:p="http://schemas.openxmlformats.org/presentationml/2006/main">
+  <p:cSld>
+    <p:bg>
+      <p:bgRef idx="1001">
+        <a:schemeClr val="bg1"/>
+      </p:bgRef>
+    </p:bg>
+    <p:spTree>
+      <p:nvGrpSpPr>
+        <p:cNvPr id="1" name=""/>
+        <p:cNvGrpSpPr/>
+        <p:nvPr/>
+      </p:nvGrpSpPr>
+      <p:grpSpPr>
+        <a:xfrm>
+          <a:off x="0" y="0"/>
+          <a:ext cx="0" cy="0"/>
+          <a:chOff x="0" y="0"/>
+          <a:chExt cx="0" cy="0"/>
+        </a:xfrm>
+      </p:grpSpPr>
+      <p:sp>
+        <p:nvSpPr>
+          <p:cNvPr id="2" name="Header Placeholder 1"/>
+          <p:cNvSpPr>
+            <a:spLocks noGrp="1"/>
+          </p:cNvSpPr>
+          <p:nvPr>
+            <p:ph type="hdr" sz="quarter"/>
+          </p:nvPr>
+        </p:nvSpPr>
+        <p:spPr>
+          <a:xfrm>
+            <a:off x="0" y="0"/>
+            <a:ext cx="2971800" cy="457200"/>
+          </a:xfrm>
+          <a:prstGeom prst="rect">
+            <a:avLst/>
+          </a:prstGeom>
+        </p:spPr>
+        <p:txBody>
+          <a:bodyPr vert="horz" lIns="91440" tIns="45720" rIns="91440" bIns="45720" rtlCol="0"/>
+          <a:lstStyle>
+            <a:lvl1pPr algn="l">
+              <a:defRPr sz="1200"/>
+            </a:lvl1pPr>
+          </a:lstStyle>
+          <a:p>
+            <a:endParaRPr lang="en-AU"/>
+          </a:p>
+        </p:txBody>
+      </p:sp>
+      <p:sp>
+        <p:nvSpPr>
+          <p:cNvPr id="3" name="Date Placeholder 2"/>
+          <p:cNvSpPr>
+            <a:spLocks noGrp="1"/>
+          </p:cNvSpPr>
+          <p:nvPr>
+            <p:ph type="dt" sz="quarter" idx="1"/>
+          </p:nvPr>
+        </p:nvSpPr>
+        <p:spPr>
+          <a:xfrm>
+            <a:off x="3884613" y="0"/>
+            <a:ext cx="2971800" cy="457200"/>
+          </a:xfrm>
+          <a:prstGeom prst="rect">
+            <a:avLst/>
+          </a:prstGeom>
+        </p:spPr>
+        <p:txBody>
+          <a:bodyPr vert="horz" lIns="91440" tIns="45720" rIns="91440" bIns="45720" rtlCol="0"/>
+          <a:lstStyle>
+            <a:lvl1pPr algn="r">
+              <a:defRPr sz="1200"/>
+            </a:lvl1pPr>
+          </a:lstStyle>
+          <a:p>
+            <a:fld id="{D3876632-1E2A-47B5-B68F-E99DEBB92180}" type="datetimeFigureOut">
+              <a:rPr lang="en-AU" smtClean="0"/>
+              <a:t>14/10/2014</a:t>
+            </a:fld>
+            <a:endParaRPr lang="en-AU"/>
+          </a:p>
+        </p:txBody>
+      </p:sp>
+      <p:sp>
+        <p:nvSpPr>
+          <p:cNvPr id="4" name="Footer Placeholder 3"/>
+          <p:cNvSpPr>
+            <a:spLocks noGrp="1"/>
+          </p:cNvSpPr>
+          <p:nvPr>
+            <p:ph type="ftr" sz="quarter" idx="2"/>
+          </p:nvPr>
+        </p:nvSpPr>
+        <p:spPr>
+          <a:xfrm>
+            <a:off x="0" y="8685213"/>
+            <a:ext cx="2971800" cy="457200"/>
+          </a:xfrm>
+          <a:prstGeom prst="rect">
+            <a:avLst/>
+          </a:prstGeom>
+        </p:spPr>
+        <p:txBody>
+          <a:bodyPr vert="horz" lIns="91440" tIns="45720" rIns="91440" bIns="45720" rtlCol="0" anchor="b"/>
+          <a:lstStyle>
+            <a:lvl1pPr algn="l">
+              <a:defRPr sz="1200"/>
+            </a:lvl1pPr>
+          </a:lstStyle>
+          <a:p>
+            <a:endParaRPr lang="en-AU"/>
+          </a:p>
+        </p:txBody>
+      </p:sp>
+      <p:sp>
+        <p:nvSpPr>
+          <p:cNvPr id="5" name="Slide Number Placeholder 4"/>
+          <p:cNvSpPr>
+            <a:spLocks noGrp="1"/>
+          </p:cNvSpPr>
+          <p:nvPr>
+            <p:ph type="sldNum" sz="quarter" idx="3"/>
+          </p:nvPr>
+        </p:nvSpPr>
+        <p:spPr>
+          <a:xfrm>
+            <a:off x="3884613" y="8685213"/>
+            <a:ext cx="2971800" cy="457200"/>
+          </a:xfrm>
+          <a:prstGeom prst="rect">
+            <a:avLst/>
+          </a:prstGeom>
+        </p:spPr>
+        <p:txBody>
+          <a:bodyPr vert="horz" lIns="91440" tIns="45720" rIns="91440" bIns="45720" rtlCol="0" anchor="b"/>
+          <a:lstStyle>
+            <a:lvl1pPr algn="r">
+              <a:defRPr sz="1200"/>
+            </a:lvl1pPr>
+          </a:lstStyle>
+          <a:p>
+            <a:fld id="{104232DE-7803-4919-B98F-A2E2F3984179}" type="slidenum">
+              <a:rPr lang="en-AU" smtClean="0"/>
+              <a:t>‹#›</a:t>
+            </a:fld>
+            <a:endParaRPr lang="en-AU"/>
+          </a:p>
+        </p:txBody>
+      </p:sp>
+    </p:spTree>
+    <p:extLst>
+      <p:ext uri="{BB962C8B-B14F-4D97-AF65-F5344CB8AC3E}">
+        <p14:creationId xmlns:p14="http://schemas.microsoft.com/office/powerpoint/2010/main" val="3614634469"/>
+      </p:ext>
+    </p:extLst>
+  </p:cSld>
+  <p:clrMap bg1="lt1" tx1="dk1" bg2="lt2" tx2="dk2" accent1="accent1" accent2="accent2" accent3="accent3" accent4="accent4" accent5="accent5" accent6="accent6" hlink="hlink" folHlink="folHlink"/>
+</p:handoutMaster>
 </file>
 
 <file path=ppt/slideLayouts/slideLayout1.xml><?xml version="1.0" encoding="utf-8"?>
@@ -3185,15 +3353,7 @@
                   <a:schemeClr val="tx1"/>
                 </a:solidFill>
               </a:rPr>
-              <a:t>By </a:t>
-            </a:r>
-            <a:r>
-              <a:rPr lang="en-AU" dirty="0" smtClean="0">
-                <a:solidFill>
-                  <a:schemeClr val="tx1"/>
-                </a:solidFill>
-              </a:rPr>
-              <a:t>Tempest</a:t>
+              <a:t>By Tempest</a:t>
             </a:r>
           </a:p>
           <a:p>
@@ -3435,25 +3595,35 @@
           </a:p>
         </p:txBody>
       </p:sp>
-      <p:sp>
-        <p:nvSpPr>
-          <p:cNvPr id="3" name="Content Placeholder 2"/>
-          <p:cNvSpPr>
-            <a:spLocks noGrp="1"/>
-          </p:cNvSpPr>
+      <p:pic>
+        <p:nvPicPr>
+          <p:cNvPr id="4" name="Content Placeholder 3"/>
+          <p:cNvPicPr>
+            <a:picLocks noGrp="1" noChangeAspect="1"/>
+          </p:cNvPicPr>
           <p:nvPr>
             <p:ph idx="1"/>
           </p:nvPr>
-        </p:nvSpPr>
-        <p:spPr/>
-        <p:txBody>
-          <a:bodyPr/>
-          <a:lstStyle/>
-          <a:p>
-            <a:endParaRPr lang="en-AU"/>
-          </a:p>
-        </p:txBody>
-      </p:sp>
+        </p:nvPicPr>
+        <p:blipFill>
+          <a:blip r:embed="rId2">
+            <a:extLst>
+              <a:ext uri="{28A0092B-C50C-407E-A947-70E740481C1C}">
+                <a14:useLocalDpi xmlns:a14="http://schemas.microsoft.com/office/drawing/2010/main" val="0"/>
+              </a:ext>
+            </a:extLst>
+          </a:blip>
+          <a:stretch>
+            <a:fillRect/>
+          </a:stretch>
+        </p:blipFill>
+        <p:spPr>
+          <a:xfrm>
+            <a:off x="899592" y="1295382"/>
+            <a:ext cx="7416824" cy="5562618"/>
+          </a:xfrm>
+        </p:spPr>
+      </p:pic>
     </p:spTree>
     <p:extLst>
       <p:ext uri="{BB962C8B-B14F-4D97-AF65-F5344CB8AC3E}">
@@ -3464,6 +3634,13 @@
   <p:clrMapOvr>
     <a:masterClrMapping/>
   </p:clrMapOvr>
+  <p:timing>
+    <p:tnLst>
+      <p:par>
+        <p:cTn id="1" dur="indefinite" restart="never" nodeType="tmRoot"/>
+      </p:par>
+    </p:tnLst>
+  </p:timing>
 </p:sld>
 </file>
 
@@ -3638,24 +3815,7 @@
                   </a:outerShdw>
                 </a:effectLst>
               </a:rPr>
-              <a:t>Leap </a:t>
-            </a:r>
-            <a:r>
-              <a:rPr lang="en-AU" b="1" dirty="0" smtClean="0">
-                <a:solidFill>
-                  <a:schemeClr val="accent6">
-                    <a:lumMod val="75000"/>
-                  </a:schemeClr>
-                </a:solidFill>
-                <a:effectLst>
-                  <a:outerShdw blurRad="38100" dist="38100" dir="2700000" algn="tl">
-                    <a:srgbClr val="000000">
-                      <a:alpha val="43137"/>
-                    </a:srgbClr>
-                  </a:outerShdw>
-                </a:effectLst>
-              </a:rPr>
-              <a:t>Motion</a:t>
+              <a:t>Leap Motion</a:t>
             </a:r>
             <a:endParaRPr lang="en-AU" b="1" dirty="0">
               <a:solidFill>
@@ -4565,7 +4725,6 @@
               <a:rPr lang="en-AU" dirty="0" smtClean="0"/>
               <a:t>How it affects the brain</a:t>
             </a:r>
-            <a:endParaRPr lang="en-AU" dirty="0" smtClean="0"/>
           </a:p>
           <a:p>
             <a:r>
@@ -5077,11 +5236,7 @@
           <a:p>
             <a:r>
               <a:rPr lang="en-AU" b="1" dirty="0" smtClean="0"/>
-              <a:t>Razer </a:t>
-            </a:r>
-            <a:r>
-              <a:rPr lang="en-AU" b="1" dirty="0" smtClean="0"/>
-              <a:t>Hydra (Bryan)</a:t>
+              <a:t>Razer Hydra (Bryan)</a:t>
             </a:r>
             <a:endParaRPr lang="en-AU" b="1" dirty="0"/>
           </a:p>
@@ -5409,4 +5564,289 @@
   <a:objectDefaults/>
   <a:extraClrSchemeLst/>
 </a:theme>
+</file>
+
+<file path=ppt/theme/theme2.xml><?xml version="1.0" encoding="utf-8"?>
+<a:theme xmlns:a="http://schemas.openxmlformats.org/drawingml/2006/main" name="Office Theme">
+  <a:themeElements>
+    <a:clrScheme name="Office">
+      <a:dk1>
+        <a:sysClr val="windowText" lastClr="000000"/>
+      </a:dk1>
+      <a:lt1>
+        <a:sysClr val="window" lastClr="FFFFFF"/>
+      </a:lt1>
+      <a:dk2>
+        <a:srgbClr val="1F497D"/>
+      </a:dk2>
+      <a:lt2>
+        <a:srgbClr val="EEECE1"/>
+      </a:lt2>
+      <a:accent1>
+        <a:srgbClr val="4F81BD"/>
+      </a:accent1>
+      <a:accent2>
+        <a:srgbClr val="C0504D"/>
+      </a:accent2>
+      <a:accent3>
+        <a:srgbClr val="9BBB59"/>
+      </a:accent3>
+      <a:accent4>
+        <a:srgbClr val="8064A2"/>
+      </a:accent4>
+      <a:accent5>
+        <a:srgbClr val="4BACC6"/>
+      </a:accent5>
+      <a:accent6>
+        <a:srgbClr val="F79646"/>
+      </a:accent6>
+      <a:hlink>
+        <a:srgbClr val="0000FF"/>
+      </a:hlink>
+      <a:folHlink>
+        <a:srgbClr val="800080"/>
+      </a:folHlink>
+    </a:clrScheme>
+    <a:fontScheme name="Office">
+      <a:majorFont>
+        <a:latin typeface="Calibri"/>
+        <a:ea typeface=""/>
+        <a:cs typeface=""/>
+        <a:font script="Jpan" typeface="ＭＳ Ｐゴシック"/>
+        <a:font script="Hang" typeface="맑은 고딕"/>
+        <a:font script="Hans" typeface="宋体"/>
+        <a:font script="Hant" typeface="新細明體"/>
+        <a:font script="Arab" typeface="Times New Roman"/>
+        <a:font script="Hebr" typeface="Times New Roman"/>
+        <a:font script="Thai" typeface="Angsana New"/>
+        <a:font script="Ethi" typeface="Nyala"/>
+        <a:font script="Beng" typeface="Vrinda"/>
+        <a:font script="Gujr" typeface="Shruti"/>
+        <a:font script="Khmr" typeface="MoolBoran"/>
+        <a:font script="Knda" typeface="Tunga"/>
+        <a:font script="Guru" typeface="Raavi"/>
+        <a:font script="Cans" typeface="Euphemia"/>
+        <a:font script="Cher" typeface="Plantagenet Cherokee"/>
+        <a:font script="Yiii" typeface="Microsoft Yi Baiti"/>
+        <a:font script="Tibt" typeface="Microsoft Himalaya"/>
+        <a:font script="Thaa" typeface="MV Boli"/>
+        <a:font script="Deva" typeface="Mangal"/>
+        <a:font script="Telu" typeface="Gautami"/>
+        <a:font script="Taml" typeface="Latha"/>
+        <a:font script="Syrc" typeface="Estrangelo Edessa"/>
+        <a:font script="Orya" typeface="Kalinga"/>
+        <a:font script="Mlym" typeface="Kartika"/>
+        <a:font script="Laoo" typeface="DokChampa"/>
+        <a:font script="Sinh" typeface="Iskoola Pota"/>
+        <a:font script="Mong" typeface="Mongolian Baiti"/>
+        <a:font script="Viet" typeface="Times New Roman"/>
+        <a:font script="Uigh" typeface="Microsoft Uighur"/>
+        <a:font script="Geor" typeface="Sylfaen"/>
+      </a:majorFont>
+      <a:minorFont>
+        <a:latin typeface="Calibri"/>
+        <a:ea typeface=""/>
+        <a:cs typeface=""/>
+        <a:font script="Jpan" typeface="ＭＳ Ｐゴシック"/>
+        <a:font script="Hang" typeface="맑은 고딕"/>
+        <a:font script="Hans" typeface="宋体"/>
+        <a:font script="Hant" typeface="新細明體"/>
+        <a:font script="Arab" typeface="Arial"/>
+        <a:font script="Hebr" typeface="Arial"/>
+        <a:font script="Thai" typeface="Cordia New"/>
+        <a:font script="Ethi" typeface="Nyala"/>
+        <a:font script="Beng" typeface="Vrinda"/>
+        <a:font script="Gujr" typeface="Shruti"/>
+        <a:font script="Khmr" typeface="DaunPenh"/>
+        <a:font script="Knda" typeface="Tunga"/>
+        <a:font script="Guru" typeface="Raavi"/>
+        <a:font script="Cans" typeface="Euphemia"/>
+        <a:font script="Cher" typeface="Plantagenet Cherokee"/>
+        <a:font script="Yiii" typeface="Microsoft Yi Baiti"/>
+        <a:font script="Tibt" typeface="Microsoft Himalaya"/>
+        <a:font script="Thaa" typeface="MV Boli"/>
+        <a:font script="Deva" typeface="Mangal"/>
+        <a:font script="Telu" typeface="Gautami"/>
+        <a:font script="Taml" typeface="Latha"/>
+        <a:font script="Syrc" typeface="Estrangelo Edessa"/>
+        <a:font script="Orya" typeface="Kalinga"/>
+        <a:font script="Mlym" typeface="Kartika"/>
+        <a:font script="Laoo" typeface="DokChampa"/>
+        <a:font script="Sinh" typeface="Iskoola Pota"/>
+        <a:font script="Mong" typeface="Mongolian Baiti"/>
+        <a:font script="Viet" typeface="Arial"/>
+        <a:font script="Uigh" typeface="Microsoft Uighur"/>
+        <a:font script="Geor" typeface="Sylfaen"/>
+      </a:minorFont>
+    </a:fontScheme>
+    <a:fmtScheme name="Office">
+      <a:fillStyleLst>
+        <a:solidFill>
+          <a:schemeClr val="phClr"/>
+        </a:solidFill>
+        <a:gradFill rotWithShape="1">
+          <a:gsLst>
+            <a:gs pos="0">
+              <a:schemeClr val="phClr">
+                <a:tint val="50000"/>
+                <a:satMod val="300000"/>
+              </a:schemeClr>
+            </a:gs>
+            <a:gs pos="35000">
+              <a:schemeClr val="phClr">
+                <a:tint val="37000"/>
+                <a:satMod val="300000"/>
+              </a:schemeClr>
+            </a:gs>
+            <a:gs pos="100000">
+              <a:schemeClr val="phClr">
+                <a:tint val="15000"/>
+                <a:satMod val="350000"/>
+              </a:schemeClr>
+            </a:gs>
+          </a:gsLst>
+          <a:lin ang="16200000" scaled="1"/>
+        </a:gradFill>
+        <a:gradFill rotWithShape="1">
+          <a:gsLst>
+            <a:gs pos="0">
+              <a:schemeClr val="phClr">
+                <a:shade val="51000"/>
+                <a:satMod val="130000"/>
+              </a:schemeClr>
+            </a:gs>
+            <a:gs pos="80000">
+              <a:schemeClr val="phClr">
+                <a:shade val="93000"/>
+                <a:satMod val="130000"/>
+              </a:schemeClr>
+            </a:gs>
+            <a:gs pos="100000">
+              <a:schemeClr val="phClr">
+                <a:shade val="94000"/>
+                <a:satMod val="135000"/>
+              </a:schemeClr>
+            </a:gs>
+          </a:gsLst>
+          <a:lin ang="16200000" scaled="0"/>
+        </a:gradFill>
+      </a:fillStyleLst>
+      <a:lnStyleLst>
+        <a:ln w="9525" cap="flat" cmpd="sng" algn="ctr">
+          <a:solidFill>
+            <a:schemeClr val="phClr">
+              <a:shade val="95000"/>
+              <a:satMod val="105000"/>
+            </a:schemeClr>
+          </a:solidFill>
+          <a:prstDash val="solid"/>
+        </a:ln>
+        <a:ln w="25400" cap="flat" cmpd="sng" algn="ctr">
+          <a:solidFill>
+            <a:schemeClr val="phClr"/>
+          </a:solidFill>
+          <a:prstDash val="solid"/>
+        </a:ln>
+        <a:ln w="38100" cap="flat" cmpd="sng" algn="ctr">
+          <a:solidFill>
+            <a:schemeClr val="phClr"/>
+          </a:solidFill>
+          <a:prstDash val="solid"/>
+        </a:ln>
+      </a:lnStyleLst>
+      <a:effectStyleLst>
+        <a:effectStyle>
+          <a:effectLst>
+            <a:outerShdw blurRad="40000" dist="20000" dir="5400000" rotWithShape="0">
+              <a:srgbClr val="000000">
+                <a:alpha val="38000"/>
+              </a:srgbClr>
+            </a:outerShdw>
+          </a:effectLst>
+        </a:effectStyle>
+        <a:effectStyle>
+          <a:effectLst>
+            <a:outerShdw blurRad="40000" dist="23000" dir="5400000" rotWithShape="0">
+              <a:srgbClr val="000000">
+                <a:alpha val="35000"/>
+              </a:srgbClr>
+            </a:outerShdw>
+          </a:effectLst>
+        </a:effectStyle>
+        <a:effectStyle>
+          <a:effectLst>
+            <a:outerShdw blurRad="40000" dist="23000" dir="5400000" rotWithShape="0">
+              <a:srgbClr val="000000">
+                <a:alpha val="35000"/>
+              </a:srgbClr>
+            </a:outerShdw>
+          </a:effectLst>
+          <a:scene3d>
+            <a:camera prst="orthographicFront">
+              <a:rot lat="0" lon="0" rev="0"/>
+            </a:camera>
+            <a:lightRig rig="threePt" dir="t">
+              <a:rot lat="0" lon="0" rev="1200000"/>
+            </a:lightRig>
+          </a:scene3d>
+          <a:sp3d>
+            <a:bevelT w="63500" h="25400"/>
+          </a:sp3d>
+        </a:effectStyle>
+      </a:effectStyleLst>
+      <a:bgFillStyleLst>
+        <a:solidFill>
+          <a:schemeClr val="phClr"/>
+        </a:solidFill>
+        <a:gradFill rotWithShape="1">
+          <a:gsLst>
+            <a:gs pos="0">
+              <a:schemeClr val="phClr">
+                <a:tint val="40000"/>
+                <a:satMod val="350000"/>
+              </a:schemeClr>
+            </a:gs>
+            <a:gs pos="40000">
+              <a:schemeClr val="phClr">
+                <a:tint val="45000"/>
+                <a:shade val="99000"/>
+                <a:satMod val="350000"/>
+              </a:schemeClr>
+            </a:gs>
+            <a:gs pos="100000">
+              <a:schemeClr val="phClr">
+                <a:shade val="20000"/>
+                <a:satMod val="255000"/>
+              </a:schemeClr>
+            </a:gs>
+          </a:gsLst>
+          <a:path path="circle">
+            <a:fillToRect l="50000" t="-80000" r="50000" b="180000"/>
+          </a:path>
+        </a:gradFill>
+        <a:gradFill rotWithShape="1">
+          <a:gsLst>
+            <a:gs pos="0">
+              <a:schemeClr val="phClr">
+                <a:tint val="80000"/>
+                <a:satMod val="300000"/>
+              </a:schemeClr>
+            </a:gs>
+            <a:gs pos="100000">
+              <a:schemeClr val="phClr">
+                <a:shade val="30000"/>
+                <a:satMod val="200000"/>
+              </a:schemeClr>
+            </a:gs>
+          </a:gsLst>
+          <a:path path="circle">
+            <a:fillToRect l="50000" t="50000" r="50000" b="50000"/>
+          </a:path>
+        </a:gradFill>
+      </a:bgFillStyleLst>
+    </a:fmtScheme>
+  </a:themeElements>
+  <a:objectDefaults/>
+  <a:extraClrSchemeLst/>
+</a:theme>
 </file>